--- a/章節 6 - AWS S3 雲端儲存服務介紹及設置/利用 S3fs 輕鬆在 EC2 上掛載及卸載 S3/利用 S3fs 輕鬆在 EC2 上掛載及卸載 S3.pptx
+++ b/章節 6 - AWS S3 雲端儲存服務介紹及設置/利用 S3fs 輕鬆在 EC2 上掛載及卸載 S3/利用 S3fs 輕鬆在 EC2 上掛載及卸載 S3.pptx
@@ -224,7 +224,7 @@
           <a:p>
             <a:fld id="{C2159322-6C85-4127-9E81-7F8BF0D70E1A}" type="datetimeFigureOut">
               <a:rPr lang="zh-CN" altLang="en-US" smtClean="0"/>
-              <a:t>2019/5/26</a:t>
+              <a:t>2020/11/7</a:t>
             </a:fld>
             <a:endParaRPr lang="zh-CN" altLang="en-US"/>
           </a:p>
@@ -629,7 +629,7 @@
                 </a:solidFill>
               </a:rPr>
               <a:pPr/>
-              <a:t>2019/5/26</a:t>
+              <a:t>2020/11/7</a:t>
             </a:fld>
             <a:endParaRPr lang="zh-CN" altLang="en-US">
               <a:solidFill>
@@ -831,7 +831,7 @@
                 </a:solidFill>
               </a:rPr>
               <a:pPr/>
-              <a:t>2019/5/26</a:t>
+              <a:t>2020/11/7</a:t>
             </a:fld>
             <a:endParaRPr lang="zh-CN" altLang="en-US">
               <a:solidFill>
@@ -1043,7 +1043,7 @@
                 </a:solidFill>
               </a:rPr>
               <a:pPr/>
-              <a:t>2019/5/26</a:t>
+              <a:t>2020/11/7</a:t>
             </a:fld>
             <a:endParaRPr lang="zh-CN" altLang="en-US">
               <a:solidFill>
@@ -1303,7 +1303,7 @@
                 </a:solidFill>
               </a:rPr>
               <a:pPr/>
-              <a:t>2019/5/26</a:t>
+              <a:t>2020/11/7</a:t>
             </a:fld>
             <a:endParaRPr lang="zh-CN" altLang="en-US">
               <a:solidFill>
@@ -1581,7 +1581,7 @@
                 </a:solidFill>
               </a:rPr>
               <a:pPr/>
-              <a:t>2019/5/26</a:t>
+              <a:t>2020/11/7</a:t>
             </a:fld>
             <a:endParaRPr lang="zh-CN" altLang="en-US">
               <a:solidFill>
@@ -1845,7 +1845,7 @@
                 </a:solidFill>
               </a:rPr>
               <a:pPr/>
-              <a:t>2019/5/26</a:t>
+              <a:t>2020/11/7</a:t>
             </a:fld>
             <a:endParaRPr lang="zh-CN" altLang="en-US">
               <a:solidFill>
@@ -2244,7 +2244,7 @@
                 </a:solidFill>
               </a:rPr>
               <a:pPr/>
-              <a:t>2019/5/26</a:t>
+              <a:t>2020/11/7</a:t>
             </a:fld>
             <a:endParaRPr lang="zh-CN" altLang="en-US">
               <a:solidFill>
@@ -2394,7 +2394,7 @@
                 </a:solidFill>
               </a:rPr>
               <a:pPr/>
-              <a:t>2019/5/26</a:t>
+              <a:t>2020/11/7</a:t>
             </a:fld>
             <a:endParaRPr lang="zh-CN" altLang="en-US">
               <a:solidFill>
@@ -2521,7 +2521,7 @@
                 </a:solidFill>
               </a:rPr>
               <a:pPr/>
-              <a:t>2019/5/26</a:t>
+              <a:t>2020/11/7</a:t>
             </a:fld>
             <a:endParaRPr lang="zh-CN" altLang="en-US">
               <a:solidFill>
@@ -2830,7 +2830,7 @@
                 </a:solidFill>
               </a:rPr>
               <a:pPr/>
-              <a:t>2019/5/26</a:t>
+              <a:t>2020/11/7</a:t>
             </a:fld>
             <a:endParaRPr lang="zh-CN" altLang="en-US">
               <a:solidFill>
@@ -3119,7 +3119,7 @@
                 </a:solidFill>
               </a:rPr>
               <a:pPr/>
-              <a:t>2019/5/26</a:t>
+              <a:t>2020/11/7</a:t>
             </a:fld>
             <a:endParaRPr lang="zh-CN" altLang="en-US">
               <a:solidFill>
@@ -3365,7 +3365,7 @@
                 </a:solidFill>
               </a:rPr>
               <a:pPr defTabSz="685800"/>
-              <a:t>2019/5/26</a:t>
+              <a:t>2020/11/7</a:t>
             </a:fld>
             <a:endParaRPr lang="zh-CN" altLang="en-US">
               <a:solidFill>
@@ -5666,7 +5666,7 @@
         <p:spPr>
           <a:xfrm>
             <a:off x="790569" y="1467385"/>
-            <a:ext cx="7562851" cy="1477328"/>
+            <a:ext cx="7562851" cy="1754326"/>
           </a:xfrm>
           <a:prstGeom prst="rect">
             <a:avLst/>
@@ -5708,8 +5708,17 @@
             </a:r>
             <a:r>
               <a:rPr lang="en" altLang="zh-TW" dirty="0"/>
-              <a:t>=/home/ec2-user/.passwd-s3fs -o endpoint=ap-northeast-1</a:t>
-            </a:r>
+              <a:t>=/home/ec2-user/.passwd-s3fs -o endpoint=ap-northeast-1 -o </a:t>
+            </a:r>
+            <a:r>
+              <a:rPr lang="en" altLang="zh-TW" dirty="0" err="1"/>
+              <a:t>url</a:t>
+            </a:r>
+            <a:r>
+              <a:rPr lang="en" altLang="zh-TW"/>
+              <a:t>="https://s3-ap-northeast-1.amazonaws.com"</a:t>
+            </a:r>
+            <a:endParaRPr lang="en" altLang="zh-TW" dirty="0"/>
           </a:p>
           <a:p>
             <a:pPr marL="285750" indent="-285750">
